--- a/Notebooks/Presentation1.pptx
+++ b/Notebooks/Presentation1.pptx
@@ -246,7 +246,7 @@
           <a:p>
             <a:fld id="{740FF661-A8F3-4E28-B016-6C89E4A36D90}" type="datetimeFigureOut">
               <a:rPr lang="en-US" smtClean="0"/>
-              <a:t>11/25/2018</a:t>
+              <a:t>2018-11-25</a:t>
             </a:fld>
             <a:endParaRPr lang="en-US"/>
           </a:p>
@@ -416,7 +416,7 @@
           <a:p>
             <a:fld id="{740FF661-A8F3-4E28-B016-6C89E4A36D90}" type="datetimeFigureOut">
               <a:rPr lang="en-US" smtClean="0"/>
-              <a:t>11/25/2018</a:t>
+              <a:t>2018-11-25</a:t>
             </a:fld>
             <a:endParaRPr lang="en-US"/>
           </a:p>
@@ -596,7 +596,7 @@
           <a:p>
             <a:fld id="{740FF661-A8F3-4E28-B016-6C89E4A36D90}" type="datetimeFigureOut">
               <a:rPr lang="en-US" smtClean="0"/>
-              <a:t>11/25/2018</a:t>
+              <a:t>2018-11-25</a:t>
             </a:fld>
             <a:endParaRPr lang="en-US"/>
           </a:p>
@@ -766,7 +766,7 @@
           <a:p>
             <a:fld id="{740FF661-A8F3-4E28-B016-6C89E4A36D90}" type="datetimeFigureOut">
               <a:rPr lang="en-US" smtClean="0"/>
-              <a:t>11/25/2018</a:t>
+              <a:t>2018-11-25</a:t>
             </a:fld>
             <a:endParaRPr lang="en-US"/>
           </a:p>
@@ -1012,7 +1012,7 @@
           <a:p>
             <a:fld id="{740FF661-A8F3-4E28-B016-6C89E4A36D90}" type="datetimeFigureOut">
               <a:rPr lang="en-US" smtClean="0"/>
-              <a:t>11/25/2018</a:t>
+              <a:t>2018-11-25</a:t>
             </a:fld>
             <a:endParaRPr lang="en-US"/>
           </a:p>
@@ -1244,7 +1244,7 @@
           <a:p>
             <a:fld id="{740FF661-A8F3-4E28-B016-6C89E4A36D90}" type="datetimeFigureOut">
               <a:rPr lang="en-US" smtClean="0"/>
-              <a:t>11/25/2018</a:t>
+              <a:t>2018-11-25</a:t>
             </a:fld>
             <a:endParaRPr lang="en-US"/>
           </a:p>
@@ -1611,7 +1611,7 @@
           <a:p>
             <a:fld id="{740FF661-A8F3-4E28-B016-6C89E4A36D90}" type="datetimeFigureOut">
               <a:rPr lang="en-US" smtClean="0"/>
-              <a:t>11/25/2018</a:t>
+              <a:t>2018-11-25</a:t>
             </a:fld>
             <a:endParaRPr lang="en-US"/>
           </a:p>
@@ -1729,7 +1729,7 @@
           <a:p>
             <a:fld id="{740FF661-A8F3-4E28-B016-6C89E4A36D90}" type="datetimeFigureOut">
               <a:rPr lang="en-US" smtClean="0"/>
-              <a:t>11/25/2018</a:t>
+              <a:t>2018-11-25</a:t>
             </a:fld>
             <a:endParaRPr lang="en-US"/>
           </a:p>
@@ -1824,7 +1824,7 @@
           <a:p>
             <a:fld id="{740FF661-A8F3-4E28-B016-6C89E4A36D90}" type="datetimeFigureOut">
               <a:rPr lang="en-US" smtClean="0"/>
-              <a:t>11/25/2018</a:t>
+              <a:t>2018-11-25</a:t>
             </a:fld>
             <a:endParaRPr lang="en-US"/>
           </a:p>
@@ -2101,7 +2101,7 @@
           <a:p>
             <a:fld id="{740FF661-A8F3-4E28-B016-6C89E4A36D90}" type="datetimeFigureOut">
               <a:rPr lang="en-US" smtClean="0"/>
-              <a:t>11/25/2018</a:t>
+              <a:t>2018-11-25</a:t>
             </a:fld>
             <a:endParaRPr lang="en-US"/>
           </a:p>
@@ -2354,7 +2354,7 @@
           <a:p>
             <a:fld id="{740FF661-A8F3-4E28-B016-6C89E4A36D90}" type="datetimeFigureOut">
               <a:rPr lang="en-US" smtClean="0"/>
-              <a:t>11/25/2018</a:t>
+              <a:t>2018-11-25</a:t>
             </a:fld>
             <a:endParaRPr lang="en-US"/>
           </a:p>
@@ -2567,7 +2567,7 @@
           <a:p>
             <a:fld id="{740FF661-A8F3-4E28-B016-6C89E4A36D90}" type="datetimeFigureOut">
               <a:rPr lang="en-US" smtClean="0"/>
-              <a:t>11/25/2018</a:t>
+              <a:t>2018-11-25</a:t>
             </a:fld>
             <a:endParaRPr lang="en-US"/>
           </a:p>
@@ -3072,7 +3072,6 @@
               <a:rPr lang="en-US" b="1" dirty="0"/>
               <a:t>Project Outline:</a:t>
             </a:r>
-            <a:endParaRPr lang="en-US" b="1" dirty="0"/>
           </a:p>
           <a:p>
             <a:pPr lvl="1"/>
@@ -3085,11 +3084,27 @@
             <a:pPr lvl="1"/>
             <a:r>
               <a:rPr lang="en-US" dirty="0" smtClean="0"/>
-              <a:t>Machine learning algorithm= Classification </a:t>
-            </a:r>
-            <a:r>
-              <a:rPr lang="en-US" dirty="0" err="1" smtClean="0"/>
-              <a:t>xxxx</a:t>
+              <a:t>Machine learning algorithm= </a:t>
+            </a:r>
+            <a:r>
+              <a:rPr lang="en-US" dirty="0" smtClean="0"/>
+              <a:t>Gaussian </a:t>
+            </a:r>
+            <a:r>
+              <a:rPr lang="en-US" dirty="0"/>
+              <a:t>Naive </a:t>
+            </a:r>
+            <a:r>
+              <a:rPr lang="en-US" dirty="0" smtClean="0"/>
+              <a:t>Bayes (</a:t>
+            </a:r>
+            <a:r>
+              <a:rPr lang="en-US" dirty="0"/>
+              <a:t>Classification</a:t>
+            </a:r>
+            <a:r>
+              <a:rPr lang="en-US" dirty="0" smtClean="0"/>
+              <a:t>)</a:t>
             </a:r>
             <a:endParaRPr lang="en-US" dirty="0" smtClean="0"/>
           </a:p>
